--- a/汇报XIV/DepthMaster.pptx
+++ b/汇报XIV/DepthMaster.pptx
@@ -5,10 +5,10 @@
     <p:sldMasterId id="2147483648" r:id="rId1"/>
   </p:sldMasterIdLst>
   <p:notesMasterIdLst>
-    <p:notesMasterId r:id="rId15"/>
+    <p:notesMasterId r:id="rId16"/>
   </p:notesMasterIdLst>
   <p:handoutMasterIdLst>
-    <p:handoutMasterId r:id="rId16"/>
+    <p:handoutMasterId r:id="rId17"/>
   </p:handoutMasterIdLst>
   <p:sldIdLst>
     <p:sldId id="256" r:id="rId2"/>
@@ -22,8 +22,9 @@
     <p:sldId id="270" r:id="rId10"/>
     <p:sldId id="273" r:id="rId11"/>
     <p:sldId id="271" r:id="rId12"/>
-    <p:sldId id="262" r:id="rId13"/>
-    <p:sldId id="266" r:id="rId14"/>
+    <p:sldId id="274" r:id="rId13"/>
+    <p:sldId id="262" r:id="rId14"/>
+    <p:sldId id="266" r:id="rId15"/>
   </p:sldIdLst>
   <p:sldSz cx="12192000" cy="6858000"/>
   <p:notesSz cx="6858000" cy="9144000"/>
@@ -146,6 +147,7 @@
             <p14:sldId id="270"/>
             <p14:sldId id="273"/>
             <p14:sldId id="271"/>
+            <p14:sldId id="274"/>
           </p14:sldIdLst>
         </p14:section>
         <p14:section name="The Omega" id="{FCE656FA-C0E7-4167-AC7A-BCE5DE7559D5}">
@@ -272,7 +274,7 @@
           <a:p>
             <a:fld id="{C55A20FA-6670-4C46-96B7-FC30DEB90749}" type="datetimeFigureOut">
               <a:rPr lang="zh-CN" altLang="en-US" smtClean="0"/>
-              <a:t>2025/6/17</a:t>
+              <a:t>2025/6/19</a:t>
             </a:fld>
             <a:endParaRPr lang="zh-CN" altLang="en-US"/>
           </a:p>
@@ -450,7 +452,7 @@
           <a:p>
             <a:fld id="{A2FD928F-3BB4-4E7C-949D-66E777939F52}" type="datetimeFigureOut">
               <a:rPr lang="zh-CN" altLang="en-US" smtClean="0"/>
-              <a:t>2025/6/17</a:t>
+              <a:t>2025/6/19</a:t>
             </a:fld>
             <a:endParaRPr lang="zh-CN" altLang="en-US"/>
           </a:p>
@@ -4538,13 +4540,13 @@
   <p:clrMapOvr>
     <a:masterClrMapping/>
   </p:clrMapOvr>
-  <mc:AlternateContent xmlns:mc="http://schemas.openxmlformats.org/markup-compatibility/2006">
-    <mc:Choice xmlns:p159="http://schemas.microsoft.com/office/powerpoint/2015/09/main" Requires="p159">
+  <mc:AlternateContent xmlns:mc="http://schemas.openxmlformats.org/markup-compatibility/2006" xmlns:p159="http://schemas.microsoft.com/office/powerpoint/2015/09/main">
+    <mc:Choice Requires="p159">
       <p:transition xmlns:p14="http://schemas.microsoft.com/office/powerpoint/2010/main" spd="slow" p14:dur="2000">
         <p159:morph option="byObject"/>
       </p:transition>
     </mc:Choice>
-    <mc:Fallback>
+    <mc:Fallback xmlns="">
       <p:transition spd="slow">
         <p:fade/>
       </p:transition>
@@ -5891,6 +5893,123 @@
   <p:cSld>
     <p:spTree>
       <p:nvGrpSpPr>
+        <p:cNvPr id="1" name=""/>
+        <p:cNvGrpSpPr/>
+        <p:nvPr/>
+      </p:nvGrpSpPr>
+      <p:grpSpPr>
+        <a:xfrm>
+          <a:off x="0" y="0"/>
+          <a:ext cx="0" cy="0"/>
+          <a:chOff x="0" y="0"/>
+          <a:chExt cx="0" cy="0"/>
+        </a:xfrm>
+      </p:grpSpPr>
+      <p:sp>
+        <p:nvSpPr>
+          <p:cNvPr id="3" name="日期占位符 2">
+            <a:extLst>
+              <a:ext uri="{FF2B5EF4-FFF2-40B4-BE49-F238E27FC236}">
+                <a16:creationId xmlns:a16="http://schemas.microsoft.com/office/drawing/2014/main" id="{4293703E-60DD-13F3-0C6B-1D0E8DBC4472}"/>
+              </a:ext>
+            </a:extLst>
+          </p:cNvPr>
+          <p:cNvSpPr>
+            <a:spLocks noGrp="1"/>
+          </p:cNvSpPr>
+          <p:nvPr>
+            <p:ph type="dt" sz="half" idx="10"/>
+          </p:nvPr>
+        </p:nvSpPr>
+        <p:spPr/>
+        <p:txBody>
+          <a:bodyPr/>
+          <a:lstStyle/>
+          <a:p>
+            <a:r>
+              <a:rPr lang="en-US" altLang="zh-CN"/>
+              <a:t>DepthMaster: Taming Diffusion Models for Monocular Depth Estimation</a:t>
+            </a:r>
+            <a:endParaRPr lang="zh-CN" altLang="en-US"/>
+          </a:p>
+        </p:txBody>
+      </p:sp>
+      <p:sp>
+        <p:nvSpPr>
+          <p:cNvPr id="4" name="页脚占位符 3">
+            <a:extLst>
+              <a:ext uri="{FF2B5EF4-FFF2-40B4-BE49-F238E27FC236}">
+                <a16:creationId xmlns:a16="http://schemas.microsoft.com/office/drawing/2014/main" id="{51A4FB9A-E608-36A2-5378-D0C1A7E2CF8D}"/>
+              </a:ext>
+            </a:extLst>
+          </p:cNvPr>
+          <p:cNvSpPr>
+            <a:spLocks noGrp="1"/>
+          </p:cNvSpPr>
+          <p:nvPr>
+            <p:ph type="ftr" sz="quarter" idx="11"/>
+          </p:nvPr>
+        </p:nvSpPr>
+        <p:spPr/>
+        <p:txBody>
+          <a:bodyPr/>
+          <a:lstStyle/>
+          <a:p>
+            <a:r>
+              <a:rPr lang="en-US" altLang="zh-CN"/>
+              <a:t>Ziyang Song</a:t>
+            </a:r>
+            <a:endParaRPr lang="zh-CN" altLang="en-US"/>
+          </a:p>
+        </p:txBody>
+      </p:sp>
+      <p:sp>
+        <p:nvSpPr>
+          <p:cNvPr id="5" name="灯片编号占位符 4">
+            <a:extLst>
+              <a:ext uri="{FF2B5EF4-FFF2-40B4-BE49-F238E27FC236}">
+                <a16:creationId xmlns:a16="http://schemas.microsoft.com/office/drawing/2014/main" id="{2355A34F-D62F-9624-F269-744F6230DE03}"/>
+              </a:ext>
+            </a:extLst>
+          </p:cNvPr>
+          <p:cNvSpPr>
+            <a:spLocks noGrp="1"/>
+          </p:cNvSpPr>
+          <p:nvPr>
+            <p:ph type="sldNum" sz="quarter" idx="12"/>
+          </p:nvPr>
+        </p:nvSpPr>
+        <p:spPr/>
+        <p:txBody>
+          <a:bodyPr/>
+          <a:lstStyle/>
+          <a:p>
+            <a:fld id="{8DE29A42-1FB3-4C8E-A734-90D396AAE855}" type="slidenum">
+              <a:rPr lang="zh-CN" altLang="en-US" smtClean="0"/>
+              <a:t>11</a:t>
+            </a:fld>
+            <a:endParaRPr lang="zh-CN" altLang="en-US"/>
+          </a:p>
+        </p:txBody>
+      </p:sp>
+    </p:spTree>
+    <p:extLst>
+      <p:ext uri="{BB962C8B-B14F-4D97-AF65-F5344CB8AC3E}">
+        <p14:creationId xmlns:p14="http://schemas.microsoft.com/office/powerpoint/2010/main" val="3161252976"/>
+      </p:ext>
+    </p:extLst>
+  </p:cSld>
+  <p:clrMapOvr>
+    <a:masterClrMapping/>
+  </p:clrMapOvr>
+</p:sld>
+</file>
+
+<file path=ppt/slides/slide13.xml><?xml version="1.0" encoding="utf-8"?>
+<p:sld xmlns:a="http://schemas.openxmlformats.org/drawingml/2006/main" xmlns:r="http://schemas.openxmlformats.org/officeDocument/2006/relationships" xmlns:p="http://schemas.openxmlformats.org/presentationml/2006/main">
+  <p:cSld>
+    <p:spTree>
+      <p:nvGrpSpPr>
         <p:cNvPr id="1" name="">
           <a:extLst>
             <a:ext uri="{FF2B5EF4-FFF2-40B4-BE49-F238E27FC236}">
@@ -6424,7 +6543,7 @@
 </p:sld>
 </file>
 
-<file path=ppt/slides/slide13.xml><?xml version="1.0" encoding="utf-8"?>
+<file path=ppt/slides/slide14.xml><?xml version="1.0" encoding="utf-8"?>
 <p:sld xmlns:a="http://schemas.openxmlformats.org/drawingml/2006/main" xmlns:r="http://schemas.openxmlformats.org/officeDocument/2006/relationships" xmlns:p="http://schemas.openxmlformats.org/presentationml/2006/main" show="0">
   <p:cSld>
     <p:spTree>
@@ -6522,7 +6641,7 @@
           <a:p>
             <a:fld id="{8DE29A42-1FB3-4C8E-A734-90D396AAE855}" type="slidenum">
               <a:rPr lang="zh-CN" altLang="en-US" smtClean="0"/>
-              <a:t>12</a:t>
+              <a:t>13</a:t>
             </a:fld>
             <a:endParaRPr lang="zh-CN" altLang="en-US"/>
           </a:p>
@@ -10421,8 +10540,8 @@
           </p:sp>
         </mc:Fallback>
       </mc:AlternateContent>
-      <mc:AlternateContent xmlns:mc="http://schemas.openxmlformats.org/markup-compatibility/2006">
-        <mc:Choice xmlns:a14="http://schemas.microsoft.com/office/drawing/2010/main" Requires="a14">
+      <mc:AlternateContent xmlns:mc="http://schemas.openxmlformats.org/markup-compatibility/2006" xmlns:a14="http://schemas.microsoft.com/office/drawing/2010/main">
+        <mc:Choice Requires="a14">
           <p:sp>
             <p:nvSpPr>
               <p:cNvPr id="12" name="文本框 11">
@@ -10640,7 +10759,7 @@
             </p:txBody>
           </p:sp>
         </mc:Choice>
-        <mc:Fallback>
+        <mc:Fallback xmlns="">
           <p:sp>
             <p:nvSpPr>
               <p:cNvPr id="12" name="文本框 11">
